--- a/Autoencoders/Auto Encoders.pptx
+++ b/Autoencoders/Auto Encoders.pptx
@@ -5,7 +5,7 @@
     <p:sldMasterId id="2147483648" r:id="rId1"/>
   </p:sldMasterIdLst>
   <p:notesMasterIdLst>
-    <p:notesMasterId r:id="rId23"/>
+    <p:notesMasterId r:id="rId25"/>
   </p:notesMasterIdLst>
   <p:sldIdLst>
     <p:sldId id="325" r:id="rId2"/>
@@ -29,6 +29,8 @@
     <p:sldId id="283" r:id="rId20"/>
     <p:sldId id="284" r:id="rId21"/>
     <p:sldId id="287" r:id="rId22"/>
+    <p:sldId id="327" r:id="rId23"/>
+    <p:sldId id="326" r:id="rId24"/>
   </p:sldIdLst>
   <p:sldSz cx="12192000" cy="6858000"/>
   <p:notesSz cx="6858000" cy="9144000"/>
@@ -217,7 +219,7 @@
           <a:p>
             <a:fld id="{500FF2E4-9E07-4D58-96F1-A97265A0794D}" type="datetimeFigureOut">
               <a:rPr lang="en-IN" smtClean="0"/>
-              <a:t>11-09-2020</a:t>
+              <a:t>14-10-2020</a:t>
             </a:fld>
             <a:endParaRPr lang="en-IN"/>
           </a:p>
@@ -3070,7 +3072,7 @@
           <a:p>
             <a:fld id="{51E686D0-01CF-4D7E-85BC-6E6A1F2B7D94}" type="datetimeFigureOut">
               <a:rPr lang="en-IN" smtClean="0"/>
-              <a:t>11-09-2020</a:t>
+              <a:t>14-10-2020</a:t>
             </a:fld>
             <a:endParaRPr lang="en-IN"/>
           </a:p>
@@ -3270,7 +3272,7 @@
           <a:p>
             <a:fld id="{51E686D0-01CF-4D7E-85BC-6E6A1F2B7D94}" type="datetimeFigureOut">
               <a:rPr lang="en-IN" smtClean="0"/>
-              <a:t>11-09-2020</a:t>
+              <a:t>14-10-2020</a:t>
             </a:fld>
             <a:endParaRPr lang="en-IN"/>
           </a:p>
@@ -3480,7 +3482,7 @@
           <a:p>
             <a:fld id="{51E686D0-01CF-4D7E-85BC-6E6A1F2B7D94}" type="datetimeFigureOut">
               <a:rPr lang="en-IN" smtClean="0"/>
-              <a:t>11-09-2020</a:t>
+              <a:t>14-10-2020</a:t>
             </a:fld>
             <a:endParaRPr lang="en-IN"/>
           </a:p>
@@ -3680,7 +3682,7 @@
           <a:p>
             <a:fld id="{51E686D0-01CF-4D7E-85BC-6E6A1F2B7D94}" type="datetimeFigureOut">
               <a:rPr lang="en-IN" smtClean="0"/>
-              <a:t>11-09-2020</a:t>
+              <a:t>14-10-2020</a:t>
             </a:fld>
             <a:endParaRPr lang="en-IN"/>
           </a:p>
@@ -3956,7 +3958,7 @@
           <a:p>
             <a:fld id="{51E686D0-01CF-4D7E-85BC-6E6A1F2B7D94}" type="datetimeFigureOut">
               <a:rPr lang="en-IN" smtClean="0"/>
-              <a:t>11-09-2020</a:t>
+              <a:t>14-10-2020</a:t>
             </a:fld>
             <a:endParaRPr lang="en-IN"/>
           </a:p>
@@ -4224,7 +4226,7 @@
           <a:p>
             <a:fld id="{51E686D0-01CF-4D7E-85BC-6E6A1F2B7D94}" type="datetimeFigureOut">
               <a:rPr lang="en-IN" smtClean="0"/>
-              <a:t>11-09-2020</a:t>
+              <a:t>14-10-2020</a:t>
             </a:fld>
             <a:endParaRPr lang="en-IN"/>
           </a:p>
@@ -4639,7 +4641,7 @@
           <a:p>
             <a:fld id="{51E686D0-01CF-4D7E-85BC-6E6A1F2B7D94}" type="datetimeFigureOut">
               <a:rPr lang="en-IN" smtClean="0"/>
-              <a:t>11-09-2020</a:t>
+              <a:t>14-10-2020</a:t>
             </a:fld>
             <a:endParaRPr lang="en-IN"/>
           </a:p>
@@ -4781,7 +4783,7 @@
           <a:p>
             <a:fld id="{51E686D0-01CF-4D7E-85BC-6E6A1F2B7D94}" type="datetimeFigureOut">
               <a:rPr lang="en-IN" smtClean="0"/>
-              <a:t>11-09-2020</a:t>
+              <a:t>14-10-2020</a:t>
             </a:fld>
             <a:endParaRPr lang="en-IN"/>
           </a:p>
@@ -4894,7 +4896,7 @@
           <a:p>
             <a:fld id="{51E686D0-01CF-4D7E-85BC-6E6A1F2B7D94}" type="datetimeFigureOut">
               <a:rPr lang="en-IN" smtClean="0"/>
-              <a:t>11-09-2020</a:t>
+              <a:t>14-10-2020</a:t>
             </a:fld>
             <a:endParaRPr lang="en-IN"/>
           </a:p>
@@ -5207,7 +5209,7 @@
           <a:p>
             <a:fld id="{51E686D0-01CF-4D7E-85BC-6E6A1F2B7D94}" type="datetimeFigureOut">
               <a:rPr lang="en-IN" smtClean="0"/>
-              <a:t>11-09-2020</a:t>
+              <a:t>14-10-2020</a:t>
             </a:fld>
             <a:endParaRPr lang="en-IN"/>
           </a:p>
@@ -5496,7 +5498,7 @@
           <a:p>
             <a:fld id="{51E686D0-01CF-4D7E-85BC-6E6A1F2B7D94}" type="datetimeFigureOut">
               <a:rPr lang="en-IN" smtClean="0"/>
-              <a:t>11-09-2020</a:t>
+              <a:t>14-10-2020</a:t>
             </a:fld>
             <a:endParaRPr lang="en-IN"/>
           </a:p>
@@ -5739,7 +5741,7 @@
           <a:p>
             <a:fld id="{51E686D0-01CF-4D7E-85BC-6E6A1F2B7D94}" type="datetimeFigureOut">
               <a:rPr lang="en-IN" smtClean="0"/>
-              <a:t>11-09-2020</a:t>
+              <a:t>14-10-2020</a:t>
             </a:fld>
             <a:endParaRPr lang="en-IN"/>
           </a:p>
@@ -8964,6 +8966,253 @@
     <p:extLst>
       <p:ext uri="{BB962C8B-B14F-4D97-AF65-F5344CB8AC3E}">
         <p14:creationId xmlns:p14="http://schemas.microsoft.com/office/powerpoint/2010/main" val="632317089"/>
+      </p:ext>
+    </p:extLst>
+  </p:cSld>
+  <p:clrMapOvr>
+    <a:masterClrMapping/>
+  </p:clrMapOvr>
+</p:sld>
+</file>
+
+<file path=ppt/slides/slide22.xml><?xml version="1.0" encoding="utf-8"?>
+<p:sld xmlns:a="http://schemas.openxmlformats.org/drawingml/2006/main" xmlns:r="http://schemas.openxmlformats.org/officeDocument/2006/relationships" xmlns:p="http://schemas.openxmlformats.org/presentationml/2006/main">
+  <p:cSld>
+    <p:spTree>
+      <p:nvGrpSpPr>
+        <p:cNvPr id="1" name=""/>
+        <p:cNvGrpSpPr/>
+        <p:nvPr/>
+      </p:nvGrpSpPr>
+      <p:grpSpPr>
+        <a:xfrm>
+          <a:off x="0" y="0"/>
+          <a:ext cx="0" cy="0"/>
+          <a:chOff x="0" y="0"/>
+          <a:chExt cx="0" cy="0"/>
+        </a:xfrm>
+      </p:grpSpPr>
+      <p:sp>
+        <p:nvSpPr>
+          <p:cNvPr id="2" name="Title 1">
+            <a:extLst>
+              <a:ext uri="{FF2B5EF4-FFF2-40B4-BE49-F238E27FC236}">
+                <a16:creationId xmlns:a16="http://schemas.microsoft.com/office/drawing/2014/main" id="{E03A50B6-BBA9-4DFC-8420-A3157A2A7005}"/>
+              </a:ext>
+            </a:extLst>
+          </p:cNvPr>
+          <p:cNvSpPr>
+            <a:spLocks noGrp="1"/>
+          </p:cNvSpPr>
+          <p:nvPr>
+            <p:ph type="title"/>
+          </p:nvPr>
+        </p:nvSpPr>
+        <p:spPr/>
+        <p:txBody>
+          <a:bodyPr/>
+          <a:lstStyle/>
+          <a:p>
+            <a:r>
+              <a:rPr lang="en-IN" dirty="0"/>
+              <a:t>Beta VAE</a:t>
+            </a:r>
+          </a:p>
+        </p:txBody>
+      </p:sp>
+      <p:sp>
+        <p:nvSpPr>
+          <p:cNvPr id="3" name="Content Placeholder 2">
+            <a:extLst>
+              <a:ext uri="{FF2B5EF4-FFF2-40B4-BE49-F238E27FC236}">
+                <a16:creationId xmlns:a16="http://schemas.microsoft.com/office/drawing/2014/main" id="{71613632-96F2-4102-84B8-E85BE6616397}"/>
+              </a:ext>
+            </a:extLst>
+          </p:cNvPr>
+          <p:cNvSpPr>
+            <a:spLocks noGrp="1"/>
+          </p:cNvSpPr>
+          <p:nvPr>
+            <p:ph idx="1"/>
+          </p:nvPr>
+        </p:nvSpPr>
+        <p:spPr/>
+        <p:txBody>
+          <a:bodyPr/>
+          <a:lstStyle/>
+          <a:p>
+            <a:r>
+              <a:rPr lang="en-US" dirty="0"/>
+              <a:t>Beta-VAE is a type of variational autoencoder that seeks to discovered disentangled latent factors. It modifies VAEs with an adjustable hyperparameter  that balances latent channel capacity and independence constraints with reconstruction accuracy. </a:t>
+            </a:r>
+            <a:endParaRPr lang="en-IN" dirty="0"/>
+          </a:p>
+        </p:txBody>
+      </p:sp>
+      <p:pic>
+        <p:nvPicPr>
+          <p:cNvPr id="1026" name="Picture 2">
+            <a:extLst>
+              <a:ext uri="{FF2B5EF4-FFF2-40B4-BE49-F238E27FC236}">
+                <a16:creationId xmlns:a16="http://schemas.microsoft.com/office/drawing/2014/main" id="{2A81BD3D-0DF6-4589-B926-22187E11EE14}"/>
+              </a:ext>
+            </a:extLst>
+          </p:cNvPr>
+          <p:cNvPicPr>
+            <a:picLocks noChangeAspect="1" noChangeArrowheads="1"/>
+          </p:cNvPicPr>
+          <p:nvPr/>
+        </p:nvPicPr>
+        <p:blipFill>
+          <a:blip r:embed="rId2">
+            <a:extLst>
+              <a:ext uri="{28A0092B-C50C-407E-A947-70E740481C1C}">
+                <a14:useLocalDpi xmlns:a14="http://schemas.microsoft.com/office/drawing/2010/main" val="0"/>
+              </a:ext>
+            </a:extLst>
+          </a:blip>
+          <a:srcRect/>
+          <a:stretch>
+            <a:fillRect/>
+          </a:stretch>
+        </p:blipFill>
+        <p:spPr bwMode="auto">
+          <a:xfrm>
+            <a:off x="1089197" y="3577598"/>
+            <a:ext cx="7585247" cy="2915277"/>
+          </a:xfrm>
+          <a:prstGeom prst="rect">
+            <a:avLst/>
+          </a:prstGeom>
+          <a:noFill/>
+          <a:extLst>
+            <a:ext uri="{909E8E84-426E-40DD-AFC4-6F175D3DCCD1}">
+              <a14:hiddenFill xmlns:a14="http://schemas.microsoft.com/office/drawing/2010/main">
+                <a:solidFill>
+                  <a:srgbClr val="FFFFFF"/>
+                </a:solidFill>
+              </a14:hiddenFill>
+            </a:ext>
+          </a:extLst>
+        </p:spPr>
+      </p:pic>
+    </p:spTree>
+    <p:extLst>
+      <p:ext uri="{BB962C8B-B14F-4D97-AF65-F5344CB8AC3E}">
+        <p14:creationId xmlns:p14="http://schemas.microsoft.com/office/powerpoint/2010/main" val="1972085475"/>
+      </p:ext>
+    </p:extLst>
+  </p:cSld>
+  <p:clrMapOvr>
+    <a:masterClrMapping/>
+  </p:clrMapOvr>
+</p:sld>
+</file>
+
+<file path=ppt/slides/slide23.xml><?xml version="1.0" encoding="utf-8"?>
+<p:sld xmlns:a="http://schemas.openxmlformats.org/drawingml/2006/main" xmlns:r="http://schemas.openxmlformats.org/officeDocument/2006/relationships" xmlns:p="http://schemas.openxmlformats.org/presentationml/2006/main">
+  <p:cSld>
+    <p:spTree>
+      <p:nvGrpSpPr>
+        <p:cNvPr id="1" name=""/>
+        <p:cNvGrpSpPr/>
+        <p:nvPr/>
+      </p:nvGrpSpPr>
+      <p:grpSpPr>
+        <a:xfrm>
+          <a:off x="0" y="0"/>
+          <a:ext cx="0" cy="0"/>
+          <a:chOff x="0" y="0"/>
+          <a:chExt cx="0" cy="0"/>
+        </a:xfrm>
+      </p:grpSpPr>
+      <p:sp>
+        <p:nvSpPr>
+          <p:cNvPr id="2" name="Title 1">
+            <a:extLst>
+              <a:ext uri="{FF2B5EF4-FFF2-40B4-BE49-F238E27FC236}">
+                <a16:creationId xmlns:a16="http://schemas.microsoft.com/office/drawing/2014/main" id="{3E49CA69-5C7C-4FBB-8DDB-8C9643805102}"/>
+              </a:ext>
+            </a:extLst>
+          </p:cNvPr>
+          <p:cNvSpPr>
+            <a:spLocks noGrp="1"/>
+          </p:cNvSpPr>
+          <p:nvPr>
+            <p:ph type="title"/>
+          </p:nvPr>
+        </p:nvSpPr>
+        <p:spPr/>
+        <p:txBody>
+          <a:bodyPr/>
+          <a:lstStyle/>
+          <a:p>
+            <a:r>
+              <a:rPr lang="en-IN" dirty="0"/>
+              <a:t>Beta VAE</a:t>
+            </a:r>
+          </a:p>
+        </p:txBody>
+      </p:sp>
+      <p:sp>
+        <p:nvSpPr>
+          <p:cNvPr id="3" name="Content Placeholder 2">
+            <a:extLst>
+              <a:ext uri="{FF2B5EF4-FFF2-40B4-BE49-F238E27FC236}">
+                <a16:creationId xmlns:a16="http://schemas.microsoft.com/office/drawing/2014/main" id="{B5B6AF37-192C-4E3B-ACC9-6FEECCBBDA9C}"/>
+              </a:ext>
+            </a:extLst>
+          </p:cNvPr>
+          <p:cNvSpPr>
+            <a:spLocks noGrp="1"/>
+          </p:cNvSpPr>
+          <p:nvPr>
+            <p:ph idx="1"/>
+          </p:nvPr>
+        </p:nvSpPr>
+        <p:spPr/>
+        <p:txBody>
+          <a:bodyPr/>
+          <a:lstStyle/>
+          <a:p>
+            <a:r>
+              <a:rPr lang="en-US" dirty="0"/>
+              <a:t>In β-VAE, a factor β is introduced.</a:t>
+            </a:r>
+          </a:p>
+          <a:p>
+            <a:r>
+              <a:rPr lang="en-US" dirty="0"/>
+              <a:t> A higher value of β puts more emphasis on the statistical independence than on the reconstruction. </a:t>
+            </a:r>
+          </a:p>
+          <a:p>
+            <a:r>
+              <a:rPr lang="en-US" dirty="0"/>
+              <a:t>As it has been observed in experiments, this stronger focus on statistical independence helps a lot in making the latent code more interpretable. </a:t>
+            </a:r>
+          </a:p>
+          <a:p>
+            <a:r>
+              <a:rPr lang="en-US" dirty="0"/>
+              <a:t>However, as focusing on statistical independence  automatically means to care less about good reconstructions, we have to pay for the increased </a:t>
+            </a:r>
+            <a:r>
+              <a:rPr lang="en-US" dirty="0" err="1"/>
+              <a:t>interpretablity</a:t>
+            </a:r>
+            <a:r>
+              <a:rPr lang="en-US" dirty="0"/>
+              <a:t> with reduced reconstruction quality.</a:t>
+            </a:r>
+            <a:endParaRPr lang="en-IN" dirty="0"/>
+          </a:p>
+        </p:txBody>
+      </p:sp>
+    </p:spTree>
+    <p:extLst>
+      <p:ext uri="{BB962C8B-B14F-4D97-AF65-F5344CB8AC3E}">
+        <p14:creationId xmlns:p14="http://schemas.microsoft.com/office/powerpoint/2010/main" val="203569715"/>
       </p:ext>
     </p:extLst>
   </p:cSld>
